--- a/documentation/GEPresentation.pptx
+++ b/documentation/GEPresentation.pptx
@@ -9,7 +9,7 @@
     <p:sldId id="257" r:id="rId6"/>
     <p:sldId id="258" r:id="rId7"/>
     <p:sldId id="260" r:id="rId8"/>
-    <p:sldId id="259" r:id="rId9"/>
+    <p:sldId id="264" r:id="rId9"/>
     <p:sldId id="263" r:id="rId10"/>
   </p:sldIdLst>
   <p:sldSz cx="12192000" cy="6858000"/>
@@ -4414,7 +4414,7 @@
           <a:p>
             <a:fld id="{9894B26B-114C-497F-A86C-73F3D6BC3B36}" type="datetimeFigureOut">
               <a:rPr lang="en-GB" smtClean="0"/>
-              <a:t>08/05/2022</a:t>
+              <a:t>09/05/2022</a:t>
             </a:fld>
             <a:endParaRPr lang="en-GB"/>
           </a:p>
@@ -4681,7 +4681,7 @@
           <a:p>
             <a:fld id="{9894B26B-114C-497F-A86C-73F3D6BC3B36}" type="datetimeFigureOut">
               <a:rPr lang="en-GB" smtClean="0"/>
-              <a:t>08/05/2022</a:t>
+              <a:t>09/05/2022</a:t>
             </a:fld>
             <a:endParaRPr lang="en-GB"/>
           </a:p>
@@ -4877,7 +4877,7 @@
           <a:p>
             <a:fld id="{9894B26B-114C-497F-A86C-73F3D6BC3B36}" type="datetimeFigureOut">
               <a:rPr lang="en-GB" smtClean="0"/>
-              <a:t>08/05/2022</a:t>
+              <a:t>09/05/2022</a:t>
             </a:fld>
             <a:endParaRPr lang="en-GB"/>
           </a:p>
@@ -5140,7 +5140,7 @@
           <a:p>
             <a:fld id="{9894B26B-114C-497F-A86C-73F3D6BC3B36}" type="datetimeFigureOut">
               <a:rPr lang="en-GB" smtClean="0"/>
-              <a:t>08/05/2022</a:t>
+              <a:t>09/05/2022</a:t>
             </a:fld>
             <a:endParaRPr lang="en-GB"/>
           </a:p>
@@ -5574,7 +5574,7 @@
           <a:p>
             <a:fld id="{9894B26B-114C-497F-A86C-73F3D6BC3B36}" type="datetimeFigureOut">
               <a:rPr lang="en-GB" smtClean="0"/>
-              <a:t>08/05/2022</a:t>
+              <a:t>09/05/2022</a:t>
             </a:fld>
             <a:endParaRPr lang="en-GB"/>
           </a:p>
@@ -6120,7 +6120,7 @@
           <a:p>
             <a:fld id="{9894B26B-114C-497F-A86C-73F3D6BC3B36}" type="datetimeFigureOut">
               <a:rPr lang="en-GB" smtClean="0"/>
-              <a:t>08/05/2022</a:t>
+              <a:t>09/05/2022</a:t>
             </a:fld>
             <a:endParaRPr lang="en-GB"/>
           </a:p>
@@ -6840,7 +6840,7 @@
           <a:p>
             <a:fld id="{9894B26B-114C-497F-A86C-73F3D6BC3B36}" type="datetimeFigureOut">
               <a:rPr lang="en-GB" smtClean="0"/>
-              <a:t>08/05/2022</a:t>
+              <a:t>09/05/2022</a:t>
             </a:fld>
             <a:endParaRPr lang="en-GB"/>
           </a:p>
@@ -7010,7 +7010,7 @@
           <a:p>
             <a:fld id="{9894B26B-114C-497F-A86C-73F3D6BC3B36}" type="datetimeFigureOut">
               <a:rPr lang="en-GB" smtClean="0"/>
-              <a:t>08/05/2022</a:t>
+              <a:t>09/05/2022</a:t>
             </a:fld>
             <a:endParaRPr lang="en-GB"/>
           </a:p>
@@ -7190,7 +7190,7 @@
           <a:p>
             <a:fld id="{9894B26B-114C-497F-A86C-73F3D6BC3B36}" type="datetimeFigureOut">
               <a:rPr lang="en-GB" smtClean="0"/>
-              <a:t>08/05/2022</a:t>
+              <a:t>09/05/2022</a:t>
             </a:fld>
             <a:endParaRPr lang="en-GB"/>
           </a:p>
@@ -7360,7 +7360,7 @@
           <a:p>
             <a:fld id="{9894B26B-114C-497F-A86C-73F3D6BC3B36}" type="datetimeFigureOut">
               <a:rPr lang="en-GB" smtClean="0"/>
-              <a:t>08/05/2022</a:t>
+              <a:t>09/05/2022</a:t>
             </a:fld>
             <a:endParaRPr lang="en-GB"/>
           </a:p>
@@ -7610,7 +7610,7 @@
           <a:p>
             <a:fld id="{9894B26B-114C-497F-A86C-73F3D6BC3B36}" type="datetimeFigureOut">
               <a:rPr lang="en-GB" smtClean="0"/>
-              <a:t>08/05/2022</a:t>
+              <a:t>09/05/2022</a:t>
             </a:fld>
             <a:endParaRPr lang="en-GB"/>
           </a:p>
@@ -7842,7 +7842,7 @@
           <a:p>
             <a:fld id="{9894B26B-114C-497F-A86C-73F3D6BC3B36}" type="datetimeFigureOut">
               <a:rPr lang="en-GB" smtClean="0"/>
-              <a:t>08/05/2022</a:t>
+              <a:t>09/05/2022</a:t>
             </a:fld>
             <a:endParaRPr lang="en-GB"/>
           </a:p>
@@ -8223,7 +8223,7 @@
           <a:p>
             <a:fld id="{9894B26B-114C-497F-A86C-73F3D6BC3B36}" type="datetimeFigureOut">
               <a:rPr lang="en-GB" smtClean="0"/>
-              <a:t>08/05/2022</a:t>
+              <a:t>09/05/2022</a:t>
             </a:fld>
             <a:endParaRPr lang="en-GB"/>
           </a:p>
@@ -8341,7 +8341,7 @@
           <a:p>
             <a:fld id="{9894B26B-114C-497F-A86C-73F3D6BC3B36}" type="datetimeFigureOut">
               <a:rPr lang="en-GB" smtClean="0"/>
-              <a:t>08/05/2022</a:t>
+              <a:t>09/05/2022</a:t>
             </a:fld>
             <a:endParaRPr lang="en-GB"/>
           </a:p>
@@ -8436,7 +8436,7 @@
           <a:p>
             <a:fld id="{9894B26B-114C-497F-A86C-73F3D6BC3B36}" type="datetimeFigureOut">
               <a:rPr lang="en-GB" smtClean="0"/>
-              <a:t>08/05/2022</a:t>
+              <a:t>09/05/2022</a:t>
             </a:fld>
             <a:endParaRPr lang="en-GB"/>
           </a:p>
@@ -8685,7 +8685,7 @@
           <a:p>
             <a:fld id="{9894B26B-114C-497F-A86C-73F3D6BC3B36}" type="datetimeFigureOut">
               <a:rPr lang="en-GB" smtClean="0"/>
-              <a:t>08/05/2022</a:t>
+              <a:t>09/05/2022</a:t>
             </a:fld>
             <a:endParaRPr lang="en-GB"/>
           </a:p>
@@ -8965,7 +8965,7 @@
           <a:p>
             <a:fld id="{9894B26B-114C-497F-A86C-73F3D6BC3B36}" type="datetimeFigureOut">
               <a:rPr lang="en-GB" smtClean="0"/>
-              <a:t>08/05/2022</a:t>
+              <a:t>09/05/2022</a:t>
             </a:fld>
             <a:endParaRPr lang="en-GB"/>
           </a:p>
@@ -12032,7 +12032,7 @@
           <a:p>
             <a:fld id="{9894B26B-114C-497F-A86C-73F3D6BC3B36}" type="datetimeFigureOut">
               <a:rPr lang="en-GB" smtClean="0"/>
-              <a:t>08/05/2022</a:t>
+              <a:t>09/05/2022</a:t>
             </a:fld>
             <a:endParaRPr lang="en-GB"/>
           </a:p>
@@ -14652,16 +14652,7 @@
                 <a:ea typeface="Times New Roman" panose="02020603050405020304" pitchFamily="18" charset="0"/>
                 <a:cs typeface="Calibri Light" panose="020F0302020204030204" pitchFamily="34" charset="0"/>
               </a:rPr>
-              <a:t> </a:t>
-            </a:r>
-            <a:r>
-              <a:rPr lang="en-US" sz="1800" i="1" dirty="0" smtClean="0">
-                <a:effectLst/>
-                <a:latin typeface="+mj-lt"/>
-                <a:ea typeface="Times New Roman" panose="02020603050405020304" pitchFamily="18" charset="0"/>
-                <a:cs typeface="Calibri Light" panose="020F0302020204030204" pitchFamily="34" charset="0"/>
-              </a:rPr>
-              <a:t>Andreev 10g</a:t>
+              <a:t> Andreev 10g</a:t>
             </a:r>
             <a:endParaRPr lang="en-GB" sz="1100" i="1" dirty="0">
               <a:effectLst/>
@@ -14784,13 +14775,13 @@
   <p:clrMapOvr>
     <a:masterClrMapping/>
   </p:clrMapOvr>
-  <mc:AlternateContent xmlns:mc="http://schemas.openxmlformats.org/markup-compatibility/2006">
-    <mc:Choice xmlns="" xmlns:p159="http://schemas.microsoft.com/office/powerpoint/2015/09/main" Requires="p159">
+  <mc:AlternateContent xmlns:mc="http://schemas.openxmlformats.org/markup-compatibility/2006" xmlns:p159="http://schemas.microsoft.com/office/powerpoint/2015/09/main">
+    <mc:Choice Requires="p159">
       <p:transition xmlns:p14="http://schemas.microsoft.com/office/powerpoint/2010/main" spd="slow" p14:dur="2000" advClick="0" advTm="18300">
         <p159:morph option="byObject"/>
       </p:transition>
     </mc:Choice>
-    <mc:Fallback>
+    <mc:Fallback xmlns="">
       <p:transition spd="slow" advClick="0" advTm="18300">
         <p:fade/>
       </p:transition>
@@ -16189,13 +16180,13 @@
   <p:clrMapOvr>
     <a:masterClrMapping/>
   </p:clrMapOvr>
-  <mc:AlternateContent xmlns:mc="http://schemas.openxmlformats.org/markup-compatibility/2006">
-    <mc:Choice xmlns="" xmlns:p159="http://schemas.microsoft.com/office/powerpoint/2015/09/main" Requires="p159">
+  <mc:AlternateContent xmlns:mc="http://schemas.openxmlformats.org/markup-compatibility/2006" xmlns:p159="http://schemas.microsoft.com/office/powerpoint/2015/09/main">
+    <mc:Choice Requires="p159">
       <p:transition xmlns:p14="http://schemas.microsoft.com/office/powerpoint/2010/main" spd="slow" p14:dur="2000" advClick="0" advTm="30520">
         <p159:morph option="byObject"/>
       </p:transition>
     </mc:Choice>
-    <mc:Fallback>
+    <mc:Fallback xmlns="">
       <p:transition spd="slow" advClick="0" advTm="30520">
         <p:fade/>
       </p:transition>
@@ -16230,10 +16221,37 @@
       </p:grpSpPr>
       <p:sp>
         <p:nvSpPr>
-          <p:cNvPr id="6" name="Rectangle: Top Corners One Rounded and One Snipped 5">
+          <p:cNvPr id="2" name="Title 1"/>
+          <p:cNvSpPr>
+            <a:spLocks noGrp="1"/>
+          </p:cNvSpPr>
+          <p:nvPr>
+            <p:ph type="title"/>
+          </p:nvPr>
+        </p:nvSpPr>
+        <p:spPr/>
+        <p:txBody>
+          <a:bodyPr/>
+          <a:lstStyle/>
+          <a:p>
+            <a:r>
+              <a:rPr lang="en-US" dirty="0" err="1" smtClean="0"/>
+              <a:t>Vxv</a:t>
+            </a:r>
+            <a:r>
+              <a:rPr lang="en-US" dirty="0" smtClean="0"/>
+              <a:t>                  </a:t>
+            </a:r>
+            <a:endParaRPr lang="en-US" dirty="0"/>
+          </a:p>
+        </p:txBody>
+      </p:sp>
+      <p:sp>
+        <p:nvSpPr>
+          <p:cNvPr id="4" name="Rectangle: Top Corners One Rounded and One Snipped 16">
             <a:extLst>
               <a:ext uri="{FF2B5EF4-FFF2-40B4-BE49-F238E27FC236}">
-                <a16:creationId xmlns:a16="http://schemas.microsoft.com/office/drawing/2014/main" id="{CEE076D8-1189-4F2C-80F4-2D222EA45D04}"/>
+                <a16:creationId xmlns:a16="http://schemas.microsoft.com/office/drawing/2014/main" id="{C07C20AA-FAE4-4E81-90DE-9FDBFB633BC5}"/>
               </a:ext>
             </a:extLst>
           </p:cNvPr>
@@ -16242,7 +16260,7 @@
         </p:nvSpPr>
         <p:spPr>
           <a:xfrm>
-            <a:off x="436487" y="199748"/>
+            <a:off x="130976" y="176471"/>
             <a:ext cx="11683014" cy="6458504"/>
           </a:xfrm>
           <a:prstGeom prst="snipRoundRect">
@@ -16281,143 +16299,42 @@
           </a:p>
         </p:txBody>
       </p:sp>
-      <p:sp>
-        <p:nvSpPr>
-          <p:cNvPr id="2" name="Title 1">
-            <a:extLst>
-              <a:ext uri="{FF2B5EF4-FFF2-40B4-BE49-F238E27FC236}">
-                <a16:creationId xmlns:a16="http://schemas.microsoft.com/office/drawing/2014/main" id="{BD94F123-5135-4519-8B94-B46D01083E1F}"/>
-              </a:ext>
-            </a:extLst>
-          </p:cNvPr>
-          <p:cNvSpPr>
-            <a:spLocks noGrp="1"/>
-          </p:cNvSpPr>
-          <p:nvPr>
-            <p:ph type="title"/>
-          </p:nvPr>
-        </p:nvSpPr>
-        <p:spPr>
-          <a:xfrm>
-            <a:off x="812643" y="1794034"/>
-            <a:ext cx="3055971" cy="2709275"/>
-          </a:xfrm>
-          <a:prstGeom prst="ellipse">
-            <a:avLst/>
-          </a:prstGeom>
-          <a:solidFill>
-            <a:schemeClr val="accent6">
-              <a:lumMod val="50000"/>
-            </a:schemeClr>
-          </a:solidFill>
-          <a:ln w="174625" cmpd="thinThick">
-            <a:solidFill>
-              <a:schemeClr val="accent6">
-                <a:lumMod val="75000"/>
-              </a:schemeClr>
-            </a:solidFill>
-          </a:ln>
-        </p:spPr>
-        <p:txBody>
-          <a:bodyPr vert="horz" lIns="91440" tIns="45720" rIns="91440" bIns="45720" rtlCol="0" anchor="ctr">
-            <a:normAutofit/>
-          </a:bodyPr>
-          <a:lstStyle/>
-          <a:p>
-            <a:pPr algn="ctr"/>
-            <a:r>
-              <a:rPr lang="en-US" sz="2600" kern="1200" dirty="0" smtClean="0">
-                <a:solidFill>
-                  <a:srgbClr val="FFFFFF"/>
-                </a:solidFill>
-                <a:latin typeface="Balsamiq Sans" panose="02000603000000000000" pitchFamily="2" charset="-52"/>
-                <a:cs typeface="Aharoni" panose="02010803020104030203" pitchFamily="2" charset="-79"/>
-              </a:rPr>
-              <a:t>Functions </a:t>
-            </a:r>
-            <a:r>
-              <a:rPr lang="en-US" sz="2600" kern="1200" dirty="0">
-                <a:solidFill>
-                  <a:srgbClr val="FFFFFF"/>
-                </a:solidFill>
-                <a:latin typeface="Balsamiq Sans" panose="02000603000000000000" pitchFamily="2" charset="-52"/>
-                <a:cs typeface="Aharoni" panose="02010803020104030203" pitchFamily="2" charset="-79"/>
-              </a:rPr>
-              <a:t>we used</a:t>
-            </a:r>
-          </a:p>
-        </p:txBody>
-      </p:sp>
       <p:pic>
         <p:nvPicPr>
-          <p:cNvPr id="2050" name="Picture 2" descr="https://cdn.discordapp.com/attachments/669198679298539543/972907471284871228/unknown.png"/>
+          <p:cNvPr id="6" name="Content Placeholder 5"/>
           <p:cNvPicPr>
-            <a:picLocks noChangeAspect="1" noChangeArrowheads="1"/>
+            <a:picLocks noGrp="1" noChangeAspect="1"/>
           </p:cNvPicPr>
-          <p:nvPr/>
+          <p:nvPr>
+            <p:ph idx="1"/>
+          </p:nvPr>
         </p:nvPicPr>
         <p:blipFill>
-          <a:blip r:embed="rId2">
-            <a:extLst>
-              <a:ext uri="{28A0092B-C50C-407E-A947-70E740481C1C}">
-                <a14:useLocalDpi xmlns:a14="http://schemas.microsoft.com/office/drawing/2010/main" val="0"/>
-              </a:ext>
-            </a:extLst>
-          </a:blip>
-          <a:srcRect/>
+          <a:blip r:embed="rId2"/>
           <a:stretch>
             <a:fillRect/>
           </a:stretch>
         </p:blipFill>
-        <p:spPr bwMode="auto">
+        <p:spPr>
           <a:xfrm>
-            <a:off x="4765082" y="2468562"/>
-            <a:ext cx="6457950" cy="960438"/>
+            <a:off x="1483112" y="618518"/>
+            <a:ext cx="8549975" cy="5699983"/>
           </a:xfrm>
           <a:prstGeom prst="rect">
             <a:avLst/>
           </a:prstGeom>
-          <a:noFill/>
-          <a:extLst>
-            <a:ext uri="{909E8E84-426E-40DD-AFC4-6F175D3DCCD1}">
-              <a14:hiddenFill xmlns:a14="http://schemas.microsoft.com/office/drawing/2010/main">
-                <a:solidFill>
-                  <a:srgbClr val="FFFFFF"/>
-                </a:solidFill>
-              </a14:hiddenFill>
-            </a:ext>
-          </a:extLst>
         </p:spPr>
       </p:pic>
     </p:spTree>
     <p:extLst>
       <p:ext uri="{BB962C8B-B14F-4D97-AF65-F5344CB8AC3E}">
-        <p14:creationId xmlns:p14="http://schemas.microsoft.com/office/powerpoint/2010/main" val="1967315094"/>
+        <p14:creationId xmlns:p14="http://schemas.microsoft.com/office/powerpoint/2010/main" val="2717395484"/>
       </p:ext>
     </p:extLst>
   </p:cSld>
   <p:clrMapOvr>
     <a:masterClrMapping/>
   </p:clrMapOvr>
-  <mc:AlternateContent xmlns:mc="http://schemas.openxmlformats.org/markup-compatibility/2006" xmlns:p14="http://schemas.microsoft.com/office/powerpoint/2010/main">
-    <mc:Choice Requires="p14">
-      <p:transition spd="slow" p14:dur="3400" advClick="0" advTm="82650">
-        <p14:reveal/>
-      </p:transition>
-    </mc:Choice>
-    <mc:Fallback xmlns="">
-      <p:transition spd="slow" advClick="0" advTm="82650">
-        <p:fade/>
-      </p:transition>
-    </mc:Fallback>
-  </mc:AlternateContent>
-  <p:timing>
-    <p:tnLst>
-      <p:par>
-        <p:cTn id="1" dur="indefinite" restart="never" nodeType="tmRoot"/>
-      </p:par>
-    </p:tnLst>
-  </p:timing>
 </p:sld>
 </file>
 
@@ -17090,13 +17007,13 @@
 <file path=customXml/itemProps1.xml><?xml version="1.0" encoding="utf-8"?>
 <ds:datastoreItem xmlns:ds="http://schemas.openxmlformats.org/officeDocument/2006/customXml" ds:itemID="{D034C007-F3E9-4272-90B8-A767B4D97D6F}">
   <ds:schemaRefs>
+    <ds:schemaRef ds:uri="http://purl.org/dc/elements/1.1/"/>
+    <ds:schemaRef ds:uri="http://schemas.microsoft.com/office/2006/metadata/properties"/>
+    <ds:schemaRef ds:uri="http://purl.org/dc/terms/"/>
+    <ds:schemaRef ds:uri="d00b8f54-f3cf-445f-8972-2afa33eddbf2"/>
     <ds:schemaRef ds:uri="http://purl.org/dc/dcmitype/"/>
     <ds:schemaRef ds:uri="1c83ee7e-6573-437d-9db5-48e4d246fba7"/>
-    <ds:schemaRef ds:uri="http://purl.org/dc/elements/1.1/"/>
-    <ds:schemaRef ds:uri="http://schemas.microsoft.com/office/2006/metadata/properties"/>
     <ds:schemaRef ds:uri="http://schemas.microsoft.com/office/2006/documentManagement/types"/>
-    <ds:schemaRef ds:uri="http://purl.org/dc/terms/"/>
-    <ds:schemaRef ds:uri="d00b8f54-f3cf-445f-8972-2afa33eddbf2"/>
     <ds:schemaRef ds:uri="http://schemas.microsoft.com/office/infopath/2007/PartnerControls"/>
     <ds:schemaRef ds:uri="http://schemas.openxmlformats.org/package/2006/metadata/core-properties"/>
     <ds:schemaRef ds:uri="http://www.w3.org/XML/1998/namespace"/>
